--- a/ppt 16-9/1054.耶和华求你叫.pptx
+++ b/ppt 16-9/1054.耶和华求你叫.pptx
@@ -5,7 +5,7 @@
     <p:sldMasterId id="2147483648" r:id="rId1"/>
   </p:sldMasterIdLst>
   <p:sldIdLst>
-    <p:sldId id="493" r:id="rId2"/>
+    <p:sldId id="495" r:id="rId2"/>
   </p:sldIdLst>
   <p:sldSz cx="12192000" cy="6858000"/>
   <p:notesSz cx="6858000" cy="9144000"/>
@@ -129,7 +129,7 @@
           <p:cNvPr id="2" name="标题 1">
             <a:extLst>
               <a:ext uri="{FF2B5EF4-FFF2-40B4-BE49-F238E27FC236}">
-                <a16:creationId xmlns:a16="http://schemas.microsoft.com/office/drawing/2014/main" id="{77A29D10-B4B7-2718-5209-786B0A01B9C8}"/>
+                <a16:creationId xmlns:a16="http://schemas.microsoft.com/office/drawing/2014/main" id="{21CE60A3-D33D-46E5-7652-4C3818394E1B}"/>
               </a:ext>
             </a:extLst>
           </p:cNvPr>
@@ -166,7 +166,7 @@
           <p:cNvPr id="3" name="副标题 2">
             <a:extLst>
               <a:ext uri="{FF2B5EF4-FFF2-40B4-BE49-F238E27FC236}">
-                <a16:creationId xmlns:a16="http://schemas.microsoft.com/office/drawing/2014/main" id="{37F930A2-F442-35CA-9048-6BECAC5A149B}"/>
+                <a16:creationId xmlns:a16="http://schemas.microsoft.com/office/drawing/2014/main" id="{1AD1C126-60E0-31E2-CD43-940B1C2D3340}"/>
               </a:ext>
             </a:extLst>
           </p:cNvPr>
@@ -236,7 +236,7 @@
           <p:cNvPr id="4" name="日期占位符 3">
             <a:extLst>
               <a:ext uri="{FF2B5EF4-FFF2-40B4-BE49-F238E27FC236}">
-                <a16:creationId xmlns:a16="http://schemas.microsoft.com/office/drawing/2014/main" id="{0F56EFF5-9955-0662-8788-F621035C2927}"/>
+                <a16:creationId xmlns:a16="http://schemas.microsoft.com/office/drawing/2014/main" id="{403BA8EE-FE42-F0C7-5F9B-CC5E885C02B0}"/>
               </a:ext>
             </a:extLst>
           </p:cNvPr>
@@ -252,7 +252,7 @@
           <a:bodyPr/>
           <a:lstStyle/>
           <a:p>
-            <a:fld id="{3125D4D1-B85D-40F4-885B-B56DD7EB32B2}" type="datetimeFigureOut">
+            <a:fld id="{50D27382-BFE0-4C8C-A3E6-5C89979167C3}" type="datetimeFigureOut">
               <a:rPr lang="zh-CN" altLang="en-US" smtClean="0"/>
               <a:t>2024/3/10</a:t>
             </a:fld>
@@ -265,7 +265,7 @@
           <p:cNvPr id="5" name="页脚占位符 4">
             <a:extLst>
               <a:ext uri="{FF2B5EF4-FFF2-40B4-BE49-F238E27FC236}">
-                <a16:creationId xmlns:a16="http://schemas.microsoft.com/office/drawing/2014/main" id="{7CC16259-6943-8E1E-D5B6-BD740CE664F9}"/>
+                <a16:creationId xmlns:a16="http://schemas.microsoft.com/office/drawing/2014/main" id="{DAB4F63D-6B0A-18F0-DB7C-485751F4750B}"/>
               </a:ext>
             </a:extLst>
           </p:cNvPr>
@@ -290,7 +290,7 @@
           <p:cNvPr id="6" name="灯片编号占位符 5">
             <a:extLst>
               <a:ext uri="{FF2B5EF4-FFF2-40B4-BE49-F238E27FC236}">
-                <a16:creationId xmlns:a16="http://schemas.microsoft.com/office/drawing/2014/main" id="{D47A0306-9B01-80A3-AACE-525880A67F6D}"/>
+                <a16:creationId xmlns:a16="http://schemas.microsoft.com/office/drawing/2014/main" id="{317964FC-0581-A521-62EA-14E3EC52B52E}"/>
               </a:ext>
             </a:extLst>
           </p:cNvPr>
@@ -306,7 +306,7 @@
           <a:bodyPr/>
           <a:lstStyle/>
           <a:p>
-            <a:fld id="{AABD9F5F-20AA-41D4-B12A-9A9C36E68383}" type="slidenum">
+            <a:fld id="{02862FB3-8E63-4CE0-96D3-1037CD358FF7}" type="slidenum">
               <a:rPr lang="zh-CN" altLang="en-US" smtClean="0"/>
               <a:t>‹#›</a:t>
             </a:fld>
@@ -317,7 +317,7 @@
     </p:spTree>
     <p:extLst>
       <p:ext uri="{BB962C8B-B14F-4D97-AF65-F5344CB8AC3E}">
-        <p14:creationId xmlns:p14="http://schemas.microsoft.com/office/powerpoint/2010/main" val="4174986098"/>
+        <p14:creationId xmlns:p14="http://schemas.microsoft.com/office/powerpoint/2010/main" val="3098968200"/>
       </p:ext>
     </p:extLst>
   </p:cSld>
@@ -349,7 +349,7 @@
           <p:cNvPr id="2" name="标题 1">
             <a:extLst>
               <a:ext uri="{FF2B5EF4-FFF2-40B4-BE49-F238E27FC236}">
-                <a16:creationId xmlns:a16="http://schemas.microsoft.com/office/drawing/2014/main" id="{F81F75A8-6487-E50A-3815-477A9D3AF368}"/>
+                <a16:creationId xmlns:a16="http://schemas.microsoft.com/office/drawing/2014/main" id="{496E3F32-5D42-72E4-B173-C97CF736DA6B}"/>
               </a:ext>
             </a:extLst>
           </p:cNvPr>
@@ -377,7 +377,7 @@
           <p:cNvPr id="3" name="竖排文字占位符 2">
             <a:extLst>
               <a:ext uri="{FF2B5EF4-FFF2-40B4-BE49-F238E27FC236}">
-                <a16:creationId xmlns:a16="http://schemas.microsoft.com/office/drawing/2014/main" id="{0200241F-2E88-CC0D-8212-8B7B6DC1F802}"/>
+                <a16:creationId xmlns:a16="http://schemas.microsoft.com/office/drawing/2014/main" id="{3D232511-A943-6F1E-9746-A4F782D461B4}"/>
               </a:ext>
             </a:extLst>
           </p:cNvPr>
@@ -434,7 +434,7 @@
           <p:cNvPr id="4" name="日期占位符 3">
             <a:extLst>
               <a:ext uri="{FF2B5EF4-FFF2-40B4-BE49-F238E27FC236}">
-                <a16:creationId xmlns:a16="http://schemas.microsoft.com/office/drawing/2014/main" id="{7F94C926-CE00-5A39-1DC0-BDA890788B8B}"/>
+                <a16:creationId xmlns:a16="http://schemas.microsoft.com/office/drawing/2014/main" id="{F55F12AC-6602-8732-35B7-FE203B4324D3}"/>
               </a:ext>
             </a:extLst>
           </p:cNvPr>
@@ -450,7 +450,7 @@
           <a:bodyPr/>
           <a:lstStyle/>
           <a:p>
-            <a:fld id="{3125D4D1-B85D-40F4-885B-B56DD7EB32B2}" type="datetimeFigureOut">
+            <a:fld id="{50D27382-BFE0-4C8C-A3E6-5C89979167C3}" type="datetimeFigureOut">
               <a:rPr lang="zh-CN" altLang="en-US" smtClean="0"/>
               <a:t>2024/3/10</a:t>
             </a:fld>
@@ -463,7 +463,7 @@
           <p:cNvPr id="5" name="页脚占位符 4">
             <a:extLst>
               <a:ext uri="{FF2B5EF4-FFF2-40B4-BE49-F238E27FC236}">
-                <a16:creationId xmlns:a16="http://schemas.microsoft.com/office/drawing/2014/main" id="{6A94BEAD-3CAF-D67C-C6B3-E7713E923389}"/>
+                <a16:creationId xmlns:a16="http://schemas.microsoft.com/office/drawing/2014/main" id="{395B346E-3DDF-51B1-F8B2-75DC258EA9C9}"/>
               </a:ext>
             </a:extLst>
           </p:cNvPr>
@@ -488,7 +488,7 @@
           <p:cNvPr id="6" name="灯片编号占位符 5">
             <a:extLst>
               <a:ext uri="{FF2B5EF4-FFF2-40B4-BE49-F238E27FC236}">
-                <a16:creationId xmlns:a16="http://schemas.microsoft.com/office/drawing/2014/main" id="{D16FAB16-D74E-7B5F-28D7-9506E11E4798}"/>
+                <a16:creationId xmlns:a16="http://schemas.microsoft.com/office/drawing/2014/main" id="{A51BE05A-47F7-126C-4188-CB34F0E95ABD}"/>
               </a:ext>
             </a:extLst>
           </p:cNvPr>
@@ -504,7 +504,7 @@
           <a:bodyPr/>
           <a:lstStyle/>
           <a:p>
-            <a:fld id="{AABD9F5F-20AA-41D4-B12A-9A9C36E68383}" type="slidenum">
+            <a:fld id="{02862FB3-8E63-4CE0-96D3-1037CD358FF7}" type="slidenum">
               <a:rPr lang="zh-CN" altLang="en-US" smtClean="0"/>
               <a:t>‹#›</a:t>
             </a:fld>
@@ -515,7 +515,7 @@
     </p:spTree>
     <p:extLst>
       <p:ext uri="{BB962C8B-B14F-4D97-AF65-F5344CB8AC3E}">
-        <p14:creationId xmlns:p14="http://schemas.microsoft.com/office/powerpoint/2010/main" val="2642103414"/>
+        <p14:creationId xmlns:p14="http://schemas.microsoft.com/office/powerpoint/2010/main" val="4094952514"/>
       </p:ext>
     </p:extLst>
   </p:cSld>
@@ -547,7 +547,7 @@
           <p:cNvPr id="2" name="竖排标题 1">
             <a:extLst>
               <a:ext uri="{FF2B5EF4-FFF2-40B4-BE49-F238E27FC236}">
-                <a16:creationId xmlns:a16="http://schemas.microsoft.com/office/drawing/2014/main" id="{83E38BB2-979E-A93C-E12D-74FDED322478}"/>
+                <a16:creationId xmlns:a16="http://schemas.microsoft.com/office/drawing/2014/main" id="{BF213424-1A3A-FE32-1A3C-44052B5B05EC}"/>
               </a:ext>
             </a:extLst>
           </p:cNvPr>
@@ -580,7 +580,7 @@
           <p:cNvPr id="3" name="竖排文字占位符 2">
             <a:extLst>
               <a:ext uri="{FF2B5EF4-FFF2-40B4-BE49-F238E27FC236}">
-                <a16:creationId xmlns:a16="http://schemas.microsoft.com/office/drawing/2014/main" id="{648F2941-AF38-D4DB-169C-245254E5733E}"/>
+                <a16:creationId xmlns:a16="http://schemas.microsoft.com/office/drawing/2014/main" id="{0CEEDC53-9EA6-3FA4-2CFA-F99CFC13D4CB}"/>
               </a:ext>
             </a:extLst>
           </p:cNvPr>
@@ -642,7 +642,7 @@
           <p:cNvPr id="4" name="日期占位符 3">
             <a:extLst>
               <a:ext uri="{FF2B5EF4-FFF2-40B4-BE49-F238E27FC236}">
-                <a16:creationId xmlns:a16="http://schemas.microsoft.com/office/drawing/2014/main" id="{D581655A-B564-619E-37BB-003DEEE8204B}"/>
+                <a16:creationId xmlns:a16="http://schemas.microsoft.com/office/drawing/2014/main" id="{00E42214-2B66-3D27-160E-96486EB8A0AC}"/>
               </a:ext>
             </a:extLst>
           </p:cNvPr>
@@ -658,7 +658,7 @@
           <a:bodyPr/>
           <a:lstStyle/>
           <a:p>
-            <a:fld id="{3125D4D1-B85D-40F4-885B-B56DD7EB32B2}" type="datetimeFigureOut">
+            <a:fld id="{50D27382-BFE0-4C8C-A3E6-5C89979167C3}" type="datetimeFigureOut">
               <a:rPr lang="zh-CN" altLang="en-US" smtClean="0"/>
               <a:t>2024/3/10</a:t>
             </a:fld>
@@ -671,7 +671,7 @@
           <p:cNvPr id="5" name="页脚占位符 4">
             <a:extLst>
               <a:ext uri="{FF2B5EF4-FFF2-40B4-BE49-F238E27FC236}">
-                <a16:creationId xmlns:a16="http://schemas.microsoft.com/office/drawing/2014/main" id="{D62F1442-3D09-75DE-967B-CCC2B978E91E}"/>
+                <a16:creationId xmlns:a16="http://schemas.microsoft.com/office/drawing/2014/main" id="{75B5CB60-2845-8147-CCCB-AB0F26DB1E03}"/>
               </a:ext>
             </a:extLst>
           </p:cNvPr>
@@ -696,7 +696,7 @@
           <p:cNvPr id="6" name="灯片编号占位符 5">
             <a:extLst>
               <a:ext uri="{FF2B5EF4-FFF2-40B4-BE49-F238E27FC236}">
-                <a16:creationId xmlns:a16="http://schemas.microsoft.com/office/drawing/2014/main" id="{0F838426-E913-301D-2E20-252C1B9D0295}"/>
+                <a16:creationId xmlns:a16="http://schemas.microsoft.com/office/drawing/2014/main" id="{6A2D6856-CCB4-4BFA-E14E-ABEC45244671}"/>
               </a:ext>
             </a:extLst>
           </p:cNvPr>
@@ -712,7 +712,7 @@
           <a:bodyPr/>
           <a:lstStyle/>
           <a:p>
-            <a:fld id="{AABD9F5F-20AA-41D4-B12A-9A9C36E68383}" type="slidenum">
+            <a:fld id="{02862FB3-8E63-4CE0-96D3-1037CD358FF7}" type="slidenum">
               <a:rPr lang="zh-CN" altLang="en-US" smtClean="0"/>
               <a:t>‹#›</a:t>
             </a:fld>
@@ -723,7 +723,7 @@
     </p:spTree>
     <p:extLst>
       <p:ext uri="{BB962C8B-B14F-4D97-AF65-F5344CB8AC3E}">
-        <p14:creationId xmlns:p14="http://schemas.microsoft.com/office/powerpoint/2010/main" val="3708238060"/>
+        <p14:creationId xmlns:p14="http://schemas.microsoft.com/office/powerpoint/2010/main" val="790823545"/>
       </p:ext>
     </p:extLst>
   </p:cSld>
@@ -755,7 +755,7 @@
           <p:cNvPr id="2" name="标题 1">
             <a:extLst>
               <a:ext uri="{FF2B5EF4-FFF2-40B4-BE49-F238E27FC236}">
-                <a16:creationId xmlns:a16="http://schemas.microsoft.com/office/drawing/2014/main" id="{FB3774B5-9487-DED3-3BF8-049FE68595CA}"/>
+                <a16:creationId xmlns:a16="http://schemas.microsoft.com/office/drawing/2014/main" id="{614E98BF-6DEE-9720-4AAE-2A1525F68ADA}"/>
               </a:ext>
             </a:extLst>
           </p:cNvPr>
@@ -783,7 +783,7 @@
           <p:cNvPr id="3" name="内容占位符 2">
             <a:extLst>
               <a:ext uri="{FF2B5EF4-FFF2-40B4-BE49-F238E27FC236}">
-                <a16:creationId xmlns:a16="http://schemas.microsoft.com/office/drawing/2014/main" id="{6B502D89-1E6F-6AFA-7EFF-26091BEE7B18}"/>
+                <a16:creationId xmlns:a16="http://schemas.microsoft.com/office/drawing/2014/main" id="{84FBB197-7313-4E2E-FCDD-3EF6AD314359}"/>
               </a:ext>
             </a:extLst>
           </p:cNvPr>
@@ -840,7 +840,7 @@
           <p:cNvPr id="4" name="日期占位符 3">
             <a:extLst>
               <a:ext uri="{FF2B5EF4-FFF2-40B4-BE49-F238E27FC236}">
-                <a16:creationId xmlns:a16="http://schemas.microsoft.com/office/drawing/2014/main" id="{2C425277-3FA4-4B47-712B-E3EA07005C6F}"/>
+                <a16:creationId xmlns:a16="http://schemas.microsoft.com/office/drawing/2014/main" id="{86D2C62B-6BDA-1DBB-2C8F-CF930E1F5F1C}"/>
               </a:ext>
             </a:extLst>
           </p:cNvPr>
@@ -856,7 +856,7 @@
           <a:bodyPr/>
           <a:lstStyle/>
           <a:p>
-            <a:fld id="{3125D4D1-B85D-40F4-885B-B56DD7EB32B2}" type="datetimeFigureOut">
+            <a:fld id="{50D27382-BFE0-4C8C-A3E6-5C89979167C3}" type="datetimeFigureOut">
               <a:rPr lang="zh-CN" altLang="en-US" smtClean="0"/>
               <a:t>2024/3/10</a:t>
             </a:fld>
@@ -869,7 +869,7 @@
           <p:cNvPr id="5" name="页脚占位符 4">
             <a:extLst>
               <a:ext uri="{FF2B5EF4-FFF2-40B4-BE49-F238E27FC236}">
-                <a16:creationId xmlns:a16="http://schemas.microsoft.com/office/drawing/2014/main" id="{736477AD-B7F7-E15D-64FC-09117F681104}"/>
+                <a16:creationId xmlns:a16="http://schemas.microsoft.com/office/drawing/2014/main" id="{98049931-B2BE-FE9C-5431-FB4357AD7CBC}"/>
               </a:ext>
             </a:extLst>
           </p:cNvPr>
@@ -894,7 +894,7 @@
           <p:cNvPr id="6" name="灯片编号占位符 5">
             <a:extLst>
               <a:ext uri="{FF2B5EF4-FFF2-40B4-BE49-F238E27FC236}">
-                <a16:creationId xmlns:a16="http://schemas.microsoft.com/office/drawing/2014/main" id="{56F4FAFB-0C03-E8C6-9FBD-3E61689404A6}"/>
+                <a16:creationId xmlns:a16="http://schemas.microsoft.com/office/drawing/2014/main" id="{42762226-6F28-199B-D96C-FFB0D36426E7}"/>
               </a:ext>
             </a:extLst>
           </p:cNvPr>
@@ -910,7 +910,7 @@
           <a:bodyPr/>
           <a:lstStyle/>
           <a:p>
-            <a:fld id="{AABD9F5F-20AA-41D4-B12A-9A9C36E68383}" type="slidenum">
+            <a:fld id="{02862FB3-8E63-4CE0-96D3-1037CD358FF7}" type="slidenum">
               <a:rPr lang="zh-CN" altLang="en-US" smtClean="0"/>
               <a:t>‹#›</a:t>
             </a:fld>
@@ -921,7 +921,7 @@
     </p:spTree>
     <p:extLst>
       <p:ext uri="{BB962C8B-B14F-4D97-AF65-F5344CB8AC3E}">
-        <p14:creationId xmlns:p14="http://schemas.microsoft.com/office/powerpoint/2010/main" val="3237453474"/>
+        <p14:creationId xmlns:p14="http://schemas.microsoft.com/office/powerpoint/2010/main" val="298042253"/>
       </p:ext>
     </p:extLst>
   </p:cSld>
@@ -953,7 +953,7 @@
           <p:cNvPr id="2" name="标题 1">
             <a:extLst>
               <a:ext uri="{FF2B5EF4-FFF2-40B4-BE49-F238E27FC236}">
-                <a16:creationId xmlns:a16="http://schemas.microsoft.com/office/drawing/2014/main" id="{42B2A34E-B0AC-53BF-1963-5874C4B7F4D3}"/>
+                <a16:creationId xmlns:a16="http://schemas.microsoft.com/office/drawing/2014/main" id="{A41E4E0D-B933-DAE7-B338-88DAB41E2209}"/>
               </a:ext>
             </a:extLst>
           </p:cNvPr>
@@ -990,7 +990,7 @@
           <p:cNvPr id="3" name="文本占位符 2">
             <a:extLst>
               <a:ext uri="{FF2B5EF4-FFF2-40B4-BE49-F238E27FC236}">
-                <a16:creationId xmlns:a16="http://schemas.microsoft.com/office/drawing/2014/main" id="{7AE0A53B-7E68-5890-D4F4-791741A46A2E}"/>
+                <a16:creationId xmlns:a16="http://schemas.microsoft.com/office/drawing/2014/main" id="{6EF72B8B-6041-0493-C8A3-EA637237ECBD}"/>
               </a:ext>
             </a:extLst>
           </p:cNvPr>
@@ -1115,7 +1115,7 @@
           <p:cNvPr id="4" name="日期占位符 3">
             <a:extLst>
               <a:ext uri="{FF2B5EF4-FFF2-40B4-BE49-F238E27FC236}">
-                <a16:creationId xmlns:a16="http://schemas.microsoft.com/office/drawing/2014/main" id="{E1292EF9-F589-6A10-0F16-6C6FF4AE089A}"/>
+                <a16:creationId xmlns:a16="http://schemas.microsoft.com/office/drawing/2014/main" id="{82439B7C-FD31-036E-A606-D68294157183}"/>
               </a:ext>
             </a:extLst>
           </p:cNvPr>
@@ -1131,7 +1131,7 @@
           <a:bodyPr/>
           <a:lstStyle/>
           <a:p>
-            <a:fld id="{3125D4D1-B85D-40F4-885B-B56DD7EB32B2}" type="datetimeFigureOut">
+            <a:fld id="{50D27382-BFE0-4C8C-A3E6-5C89979167C3}" type="datetimeFigureOut">
               <a:rPr lang="zh-CN" altLang="en-US" smtClean="0"/>
               <a:t>2024/3/10</a:t>
             </a:fld>
@@ -1144,7 +1144,7 @@
           <p:cNvPr id="5" name="页脚占位符 4">
             <a:extLst>
               <a:ext uri="{FF2B5EF4-FFF2-40B4-BE49-F238E27FC236}">
-                <a16:creationId xmlns:a16="http://schemas.microsoft.com/office/drawing/2014/main" id="{203690DB-A966-F930-6B1F-321B4BD10C1B}"/>
+                <a16:creationId xmlns:a16="http://schemas.microsoft.com/office/drawing/2014/main" id="{9567BA96-B54B-6BE6-5E95-1E9B3305B513}"/>
               </a:ext>
             </a:extLst>
           </p:cNvPr>
@@ -1169,7 +1169,7 @@
           <p:cNvPr id="6" name="灯片编号占位符 5">
             <a:extLst>
               <a:ext uri="{FF2B5EF4-FFF2-40B4-BE49-F238E27FC236}">
-                <a16:creationId xmlns:a16="http://schemas.microsoft.com/office/drawing/2014/main" id="{35E7E76B-EFAB-884C-8B89-29CD6DD3219C}"/>
+                <a16:creationId xmlns:a16="http://schemas.microsoft.com/office/drawing/2014/main" id="{894524B1-42F5-75DF-EA48-BF5BEE36BF62}"/>
               </a:ext>
             </a:extLst>
           </p:cNvPr>
@@ -1185,7 +1185,7 @@
           <a:bodyPr/>
           <a:lstStyle/>
           <a:p>
-            <a:fld id="{AABD9F5F-20AA-41D4-B12A-9A9C36E68383}" type="slidenum">
+            <a:fld id="{02862FB3-8E63-4CE0-96D3-1037CD358FF7}" type="slidenum">
               <a:rPr lang="zh-CN" altLang="en-US" smtClean="0"/>
               <a:t>‹#›</a:t>
             </a:fld>
@@ -1196,7 +1196,7 @@
     </p:spTree>
     <p:extLst>
       <p:ext uri="{BB962C8B-B14F-4D97-AF65-F5344CB8AC3E}">
-        <p14:creationId xmlns:p14="http://schemas.microsoft.com/office/powerpoint/2010/main" val="1796426936"/>
+        <p14:creationId xmlns:p14="http://schemas.microsoft.com/office/powerpoint/2010/main" val="1525316252"/>
       </p:ext>
     </p:extLst>
   </p:cSld>
@@ -1228,7 +1228,7 @@
           <p:cNvPr id="2" name="标题 1">
             <a:extLst>
               <a:ext uri="{FF2B5EF4-FFF2-40B4-BE49-F238E27FC236}">
-                <a16:creationId xmlns:a16="http://schemas.microsoft.com/office/drawing/2014/main" id="{6622293E-3A00-3426-231D-EF327F7277F2}"/>
+                <a16:creationId xmlns:a16="http://schemas.microsoft.com/office/drawing/2014/main" id="{337BADE1-B38C-BBA2-8CA7-864768011B38}"/>
               </a:ext>
             </a:extLst>
           </p:cNvPr>
@@ -1256,7 +1256,7 @@
           <p:cNvPr id="3" name="内容占位符 2">
             <a:extLst>
               <a:ext uri="{FF2B5EF4-FFF2-40B4-BE49-F238E27FC236}">
-                <a16:creationId xmlns:a16="http://schemas.microsoft.com/office/drawing/2014/main" id="{37173A36-8077-BCE2-ADF4-298C8468C570}"/>
+                <a16:creationId xmlns:a16="http://schemas.microsoft.com/office/drawing/2014/main" id="{D6401DA8-3DD9-0DB8-7FA3-5BBB83396594}"/>
               </a:ext>
             </a:extLst>
           </p:cNvPr>
@@ -1318,7 +1318,7 @@
           <p:cNvPr id="4" name="内容占位符 3">
             <a:extLst>
               <a:ext uri="{FF2B5EF4-FFF2-40B4-BE49-F238E27FC236}">
-                <a16:creationId xmlns:a16="http://schemas.microsoft.com/office/drawing/2014/main" id="{D449476B-47F0-EC4E-3ECE-3C2AEB256E62}"/>
+                <a16:creationId xmlns:a16="http://schemas.microsoft.com/office/drawing/2014/main" id="{6A5F4687-2CB0-41AD-9CC7-961C2C235B7A}"/>
               </a:ext>
             </a:extLst>
           </p:cNvPr>
@@ -1380,7 +1380,7 @@
           <p:cNvPr id="5" name="日期占位符 4">
             <a:extLst>
               <a:ext uri="{FF2B5EF4-FFF2-40B4-BE49-F238E27FC236}">
-                <a16:creationId xmlns:a16="http://schemas.microsoft.com/office/drawing/2014/main" id="{17274CCB-1DF9-7E23-3B60-6B1F4C33A51F}"/>
+                <a16:creationId xmlns:a16="http://schemas.microsoft.com/office/drawing/2014/main" id="{5FAE8F8A-5671-2622-924A-4E45A33C729D}"/>
               </a:ext>
             </a:extLst>
           </p:cNvPr>
@@ -1396,7 +1396,7 @@
           <a:bodyPr/>
           <a:lstStyle/>
           <a:p>
-            <a:fld id="{3125D4D1-B85D-40F4-885B-B56DD7EB32B2}" type="datetimeFigureOut">
+            <a:fld id="{50D27382-BFE0-4C8C-A3E6-5C89979167C3}" type="datetimeFigureOut">
               <a:rPr lang="zh-CN" altLang="en-US" smtClean="0"/>
               <a:t>2024/3/10</a:t>
             </a:fld>
@@ -1409,7 +1409,7 @@
           <p:cNvPr id="6" name="页脚占位符 5">
             <a:extLst>
               <a:ext uri="{FF2B5EF4-FFF2-40B4-BE49-F238E27FC236}">
-                <a16:creationId xmlns:a16="http://schemas.microsoft.com/office/drawing/2014/main" id="{7347AC25-7521-4811-053C-B7048BE2C7B0}"/>
+                <a16:creationId xmlns:a16="http://schemas.microsoft.com/office/drawing/2014/main" id="{DFFC3E64-D408-6358-8444-A413769F95B0}"/>
               </a:ext>
             </a:extLst>
           </p:cNvPr>
@@ -1434,7 +1434,7 @@
           <p:cNvPr id="7" name="灯片编号占位符 6">
             <a:extLst>
               <a:ext uri="{FF2B5EF4-FFF2-40B4-BE49-F238E27FC236}">
-                <a16:creationId xmlns:a16="http://schemas.microsoft.com/office/drawing/2014/main" id="{B115306C-50C1-F9BB-0B20-B710F8706826}"/>
+                <a16:creationId xmlns:a16="http://schemas.microsoft.com/office/drawing/2014/main" id="{7F6D82CA-497B-7429-0D1A-147987CC8595}"/>
               </a:ext>
             </a:extLst>
           </p:cNvPr>
@@ -1450,7 +1450,7 @@
           <a:bodyPr/>
           <a:lstStyle/>
           <a:p>
-            <a:fld id="{AABD9F5F-20AA-41D4-B12A-9A9C36E68383}" type="slidenum">
+            <a:fld id="{02862FB3-8E63-4CE0-96D3-1037CD358FF7}" type="slidenum">
               <a:rPr lang="zh-CN" altLang="en-US" smtClean="0"/>
               <a:t>‹#›</a:t>
             </a:fld>
@@ -1461,7 +1461,7 @@
     </p:spTree>
     <p:extLst>
       <p:ext uri="{BB962C8B-B14F-4D97-AF65-F5344CB8AC3E}">
-        <p14:creationId xmlns:p14="http://schemas.microsoft.com/office/powerpoint/2010/main" val="1473651739"/>
+        <p14:creationId xmlns:p14="http://schemas.microsoft.com/office/powerpoint/2010/main" val="2419857564"/>
       </p:ext>
     </p:extLst>
   </p:cSld>
@@ -1493,7 +1493,7 @@
           <p:cNvPr id="2" name="标题 1">
             <a:extLst>
               <a:ext uri="{FF2B5EF4-FFF2-40B4-BE49-F238E27FC236}">
-                <a16:creationId xmlns:a16="http://schemas.microsoft.com/office/drawing/2014/main" id="{72ED88F9-D0A4-21C1-3255-3C39EB9C5535}"/>
+                <a16:creationId xmlns:a16="http://schemas.microsoft.com/office/drawing/2014/main" id="{57772038-FC0A-AEA4-1553-2DB3D9FAD0E8}"/>
               </a:ext>
             </a:extLst>
           </p:cNvPr>
@@ -1526,7 +1526,7 @@
           <p:cNvPr id="3" name="文本占位符 2">
             <a:extLst>
               <a:ext uri="{FF2B5EF4-FFF2-40B4-BE49-F238E27FC236}">
-                <a16:creationId xmlns:a16="http://schemas.microsoft.com/office/drawing/2014/main" id="{D9EABB27-1912-91BE-7AE4-34C6B15D6171}"/>
+                <a16:creationId xmlns:a16="http://schemas.microsoft.com/office/drawing/2014/main" id="{2FBCAE52-414B-65BD-1AA8-CDF0A517039E}"/>
               </a:ext>
             </a:extLst>
           </p:cNvPr>
@@ -1597,7 +1597,7 @@
           <p:cNvPr id="4" name="内容占位符 3">
             <a:extLst>
               <a:ext uri="{FF2B5EF4-FFF2-40B4-BE49-F238E27FC236}">
-                <a16:creationId xmlns:a16="http://schemas.microsoft.com/office/drawing/2014/main" id="{6BE1372B-D4EE-4C1E-A834-97BE7DAB6967}"/>
+                <a16:creationId xmlns:a16="http://schemas.microsoft.com/office/drawing/2014/main" id="{C8D1390C-6A08-0A2D-6D77-269146CF034F}"/>
               </a:ext>
             </a:extLst>
           </p:cNvPr>
@@ -1659,7 +1659,7 @@
           <p:cNvPr id="5" name="文本占位符 4">
             <a:extLst>
               <a:ext uri="{FF2B5EF4-FFF2-40B4-BE49-F238E27FC236}">
-                <a16:creationId xmlns:a16="http://schemas.microsoft.com/office/drawing/2014/main" id="{0C8D6C19-43A8-6E82-AE1B-8BB627D6399D}"/>
+                <a16:creationId xmlns:a16="http://schemas.microsoft.com/office/drawing/2014/main" id="{DF38C4ED-05B4-E37B-C520-B50568AF48C1}"/>
               </a:ext>
             </a:extLst>
           </p:cNvPr>
@@ -1730,7 +1730,7 @@
           <p:cNvPr id="6" name="内容占位符 5">
             <a:extLst>
               <a:ext uri="{FF2B5EF4-FFF2-40B4-BE49-F238E27FC236}">
-                <a16:creationId xmlns:a16="http://schemas.microsoft.com/office/drawing/2014/main" id="{7DF0F7D3-6178-F492-3B6E-9EC861827DE8}"/>
+                <a16:creationId xmlns:a16="http://schemas.microsoft.com/office/drawing/2014/main" id="{9720B76B-E853-EFC2-6993-34B87F7043E0}"/>
               </a:ext>
             </a:extLst>
           </p:cNvPr>
@@ -1792,7 +1792,7 @@
           <p:cNvPr id="7" name="日期占位符 6">
             <a:extLst>
               <a:ext uri="{FF2B5EF4-FFF2-40B4-BE49-F238E27FC236}">
-                <a16:creationId xmlns:a16="http://schemas.microsoft.com/office/drawing/2014/main" id="{839CA84D-759C-D8DD-86E8-9462196E1A67}"/>
+                <a16:creationId xmlns:a16="http://schemas.microsoft.com/office/drawing/2014/main" id="{FC086763-C59F-06D1-1DD4-7EB293EB1473}"/>
               </a:ext>
             </a:extLst>
           </p:cNvPr>
@@ -1808,7 +1808,7 @@
           <a:bodyPr/>
           <a:lstStyle/>
           <a:p>
-            <a:fld id="{3125D4D1-B85D-40F4-885B-B56DD7EB32B2}" type="datetimeFigureOut">
+            <a:fld id="{50D27382-BFE0-4C8C-A3E6-5C89979167C3}" type="datetimeFigureOut">
               <a:rPr lang="zh-CN" altLang="en-US" smtClean="0"/>
               <a:t>2024/3/10</a:t>
             </a:fld>
@@ -1821,7 +1821,7 @@
           <p:cNvPr id="8" name="页脚占位符 7">
             <a:extLst>
               <a:ext uri="{FF2B5EF4-FFF2-40B4-BE49-F238E27FC236}">
-                <a16:creationId xmlns:a16="http://schemas.microsoft.com/office/drawing/2014/main" id="{378D1FE0-FC40-9AD4-416B-AA12BEDEDE96}"/>
+                <a16:creationId xmlns:a16="http://schemas.microsoft.com/office/drawing/2014/main" id="{D1328EAD-9D38-C54A-C596-74CE2B16C2CB}"/>
               </a:ext>
             </a:extLst>
           </p:cNvPr>
@@ -1846,7 +1846,7 @@
           <p:cNvPr id="9" name="灯片编号占位符 8">
             <a:extLst>
               <a:ext uri="{FF2B5EF4-FFF2-40B4-BE49-F238E27FC236}">
-                <a16:creationId xmlns:a16="http://schemas.microsoft.com/office/drawing/2014/main" id="{7FAAAE29-8999-EFEF-4BE2-3DFD93D81B44}"/>
+                <a16:creationId xmlns:a16="http://schemas.microsoft.com/office/drawing/2014/main" id="{62C1CF23-6369-9CA6-1C96-784583B53E50}"/>
               </a:ext>
             </a:extLst>
           </p:cNvPr>
@@ -1862,7 +1862,7 @@
           <a:bodyPr/>
           <a:lstStyle/>
           <a:p>
-            <a:fld id="{AABD9F5F-20AA-41D4-B12A-9A9C36E68383}" type="slidenum">
+            <a:fld id="{02862FB3-8E63-4CE0-96D3-1037CD358FF7}" type="slidenum">
               <a:rPr lang="zh-CN" altLang="en-US" smtClean="0"/>
               <a:t>‹#›</a:t>
             </a:fld>
@@ -1873,7 +1873,7 @@
     </p:spTree>
     <p:extLst>
       <p:ext uri="{BB962C8B-B14F-4D97-AF65-F5344CB8AC3E}">
-        <p14:creationId xmlns:p14="http://schemas.microsoft.com/office/powerpoint/2010/main" val="1161550696"/>
+        <p14:creationId xmlns:p14="http://schemas.microsoft.com/office/powerpoint/2010/main" val="280727017"/>
       </p:ext>
     </p:extLst>
   </p:cSld>
@@ -1905,7 +1905,7 @@
           <p:cNvPr id="2" name="标题 1">
             <a:extLst>
               <a:ext uri="{FF2B5EF4-FFF2-40B4-BE49-F238E27FC236}">
-                <a16:creationId xmlns:a16="http://schemas.microsoft.com/office/drawing/2014/main" id="{E25F4511-512D-9423-3373-BE2373890B5E}"/>
+                <a16:creationId xmlns:a16="http://schemas.microsoft.com/office/drawing/2014/main" id="{A6852625-4AE5-2641-B34E-FED8B98C248F}"/>
               </a:ext>
             </a:extLst>
           </p:cNvPr>
@@ -1933,7 +1933,7 @@
           <p:cNvPr id="3" name="日期占位符 2">
             <a:extLst>
               <a:ext uri="{FF2B5EF4-FFF2-40B4-BE49-F238E27FC236}">
-                <a16:creationId xmlns:a16="http://schemas.microsoft.com/office/drawing/2014/main" id="{CCDC6E19-F26C-1918-A33A-7B735F4D976F}"/>
+                <a16:creationId xmlns:a16="http://schemas.microsoft.com/office/drawing/2014/main" id="{83FA2A9F-7895-15C4-01CE-3435E510F90F}"/>
               </a:ext>
             </a:extLst>
           </p:cNvPr>
@@ -1949,7 +1949,7 @@
           <a:bodyPr/>
           <a:lstStyle/>
           <a:p>
-            <a:fld id="{3125D4D1-B85D-40F4-885B-B56DD7EB32B2}" type="datetimeFigureOut">
+            <a:fld id="{50D27382-BFE0-4C8C-A3E6-5C89979167C3}" type="datetimeFigureOut">
               <a:rPr lang="zh-CN" altLang="en-US" smtClean="0"/>
               <a:t>2024/3/10</a:t>
             </a:fld>
@@ -1962,7 +1962,7 @@
           <p:cNvPr id="4" name="页脚占位符 3">
             <a:extLst>
               <a:ext uri="{FF2B5EF4-FFF2-40B4-BE49-F238E27FC236}">
-                <a16:creationId xmlns:a16="http://schemas.microsoft.com/office/drawing/2014/main" id="{1F37DA64-656D-2770-7C41-2E0FC094C125}"/>
+                <a16:creationId xmlns:a16="http://schemas.microsoft.com/office/drawing/2014/main" id="{E6431E08-2A53-ADE7-7044-9B812ADC2F91}"/>
               </a:ext>
             </a:extLst>
           </p:cNvPr>
@@ -1987,7 +1987,7 @@
           <p:cNvPr id="5" name="灯片编号占位符 4">
             <a:extLst>
               <a:ext uri="{FF2B5EF4-FFF2-40B4-BE49-F238E27FC236}">
-                <a16:creationId xmlns:a16="http://schemas.microsoft.com/office/drawing/2014/main" id="{F63976A9-A2BA-9CFD-C1A3-8BF5050AC059}"/>
+                <a16:creationId xmlns:a16="http://schemas.microsoft.com/office/drawing/2014/main" id="{050572A3-5F33-F5E8-FC13-A614C05F45B2}"/>
               </a:ext>
             </a:extLst>
           </p:cNvPr>
@@ -2003,7 +2003,7 @@
           <a:bodyPr/>
           <a:lstStyle/>
           <a:p>
-            <a:fld id="{AABD9F5F-20AA-41D4-B12A-9A9C36E68383}" type="slidenum">
+            <a:fld id="{02862FB3-8E63-4CE0-96D3-1037CD358FF7}" type="slidenum">
               <a:rPr lang="zh-CN" altLang="en-US" smtClean="0"/>
               <a:t>‹#›</a:t>
             </a:fld>
@@ -2014,7 +2014,7 @@
     </p:spTree>
     <p:extLst>
       <p:ext uri="{BB962C8B-B14F-4D97-AF65-F5344CB8AC3E}">
-        <p14:creationId xmlns:p14="http://schemas.microsoft.com/office/powerpoint/2010/main" val="3926754529"/>
+        <p14:creationId xmlns:p14="http://schemas.microsoft.com/office/powerpoint/2010/main" val="3971880612"/>
       </p:ext>
     </p:extLst>
   </p:cSld>
@@ -2046,7 +2046,7 @@
           <p:cNvPr id="2" name="日期占位符 1">
             <a:extLst>
               <a:ext uri="{FF2B5EF4-FFF2-40B4-BE49-F238E27FC236}">
-                <a16:creationId xmlns:a16="http://schemas.microsoft.com/office/drawing/2014/main" id="{237FAC90-279A-8CFE-222F-5385A6CF7A2A}"/>
+                <a16:creationId xmlns:a16="http://schemas.microsoft.com/office/drawing/2014/main" id="{16619FED-0F8A-CC1A-A5A6-ED91A40FBC91}"/>
               </a:ext>
             </a:extLst>
           </p:cNvPr>
@@ -2062,7 +2062,7 @@
           <a:bodyPr/>
           <a:lstStyle/>
           <a:p>
-            <a:fld id="{3125D4D1-B85D-40F4-885B-B56DD7EB32B2}" type="datetimeFigureOut">
+            <a:fld id="{50D27382-BFE0-4C8C-A3E6-5C89979167C3}" type="datetimeFigureOut">
               <a:rPr lang="zh-CN" altLang="en-US" smtClean="0"/>
               <a:t>2024/3/10</a:t>
             </a:fld>
@@ -2075,7 +2075,7 @@
           <p:cNvPr id="3" name="页脚占位符 2">
             <a:extLst>
               <a:ext uri="{FF2B5EF4-FFF2-40B4-BE49-F238E27FC236}">
-                <a16:creationId xmlns:a16="http://schemas.microsoft.com/office/drawing/2014/main" id="{1E6B7806-38A9-7A00-51CD-EAC989818667}"/>
+                <a16:creationId xmlns:a16="http://schemas.microsoft.com/office/drawing/2014/main" id="{CEAB5AD4-137F-5772-28E2-2F4BD2EA28AB}"/>
               </a:ext>
             </a:extLst>
           </p:cNvPr>
@@ -2100,7 +2100,7 @@
           <p:cNvPr id="4" name="灯片编号占位符 3">
             <a:extLst>
               <a:ext uri="{FF2B5EF4-FFF2-40B4-BE49-F238E27FC236}">
-                <a16:creationId xmlns:a16="http://schemas.microsoft.com/office/drawing/2014/main" id="{191B3837-5902-1843-2C8E-F7F839C2009B}"/>
+                <a16:creationId xmlns:a16="http://schemas.microsoft.com/office/drawing/2014/main" id="{354D1F84-5B55-3CB5-9FAA-3342D43E0103}"/>
               </a:ext>
             </a:extLst>
           </p:cNvPr>
@@ -2116,7 +2116,7 @@
           <a:bodyPr/>
           <a:lstStyle/>
           <a:p>
-            <a:fld id="{AABD9F5F-20AA-41D4-B12A-9A9C36E68383}" type="slidenum">
+            <a:fld id="{02862FB3-8E63-4CE0-96D3-1037CD358FF7}" type="slidenum">
               <a:rPr lang="zh-CN" altLang="en-US" smtClean="0"/>
               <a:t>‹#›</a:t>
             </a:fld>
@@ -2127,7 +2127,7 @@
     </p:spTree>
     <p:extLst>
       <p:ext uri="{BB962C8B-B14F-4D97-AF65-F5344CB8AC3E}">
-        <p14:creationId xmlns:p14="http://schemas.microsoft.com/office/powerpoint/2010/main" val="1181930598"/>
+        <p14:creationId xmlns:p14="http://schemas.microsoft.com/office/powerpoint/2010/main" val="844129248"/>
       </p:ext>
     </p:extLst>
   </p:cSld>
@@ -2159,7 +2159,7 @@
           <p:cNvPr id="2" name="标题 1">
             <a:extLst>
               <a:ext uri="{FF2B5EF4-FFF2-40B4-BE49-F238E27FC236}">
-                <a16:creationId xmlns:a16="http://schemas.microsoft.com/office/drawing/2014/main" id="{8B89CE99-B064-AB17-3402-AABE17586C4D}"/>
+                <a16:creationId xmlns:a16="http://schemas.microsoft.com/office/drawing/2014/main" id="{F2DA2A53-F187-DE29-5B8F-9F6C65178774}"/>
               </a:ext>
             </a:extLst>
           </p:cNvPr>
@@ -2196,7 +2196,7 @@
           <p:cNvPr id="3" name="内容占位符 2">
             <a:extLst>
               <a:ext uri="{FF2B5EF4-FFF2-40B4-BE49-F238E27FC236}">
-                <a16:creationId xmlns:a16="http://schemas.microsoft.com/office/drawing/2014/main" id="{229E4F70-FF94-1B4A-E424-20DABB5529C2}"/>
+                <a16:creationId xmlns:a16="http://schemas.microsoft.com/office/drawing/2014/main" id="{D6241706-E6BC-A96C-C21F-0DDBF0E96FD4}"/>
               </a:ext>
             </a:extLst>
           </p:cNvPr>
@@ -2286,7 +2286,7 @@
           <p:cNvPr id="4" name="文本占位符 3">
             <a:extLst>
               <a:ext uri="{FF2B5EF4-FFF2-40B4-BE49-F238E27FC236}">
-                <a16:creationId xmlns:a16="http://schemas.microsoft.com/office/drawing/2014/main" id="{03DE5169-BB25-7DEA-0F0C-9E5635447E47}"/>
+                <a16:creationId xmlns:a16="http://schemas.microsoft.com/office/drawing/2014/main" id="{DF087DBA-EFB5-57A2-384D-B79EEB452771}"/>
               </a:ext>
             </a:extLst>
           </p:cNvPr>
@@ -2357,7 +2357,7 @@
           <p:cNvPr id="5" name="日期占位符 4">
             <a:extLst>
               <a:ext uri="{FF2B5EF4-FFF2-40B4-BE49-F238E27FC236}">
-                <a16:creationId xmlns:a16="http://schemas.microsoft.com/office/drawing/2014/main" id="{0EF17348-1EE4-3D01-982A-B5913E7336DD}"/>
+                <a16:creationId xmlns:a16="http://schemas.microsoft.com/office/drawing/2014/main" id="{190574CE-D266-5EFF-533F-88B4436FA019}"/>
               </a:ext>
             </a:extLst>
           </p:cNvPr>
@@ -2373,7 +2373,7 @@
           <a:bodyPr/>
           <a:lstStyle/>
           <a:p>
-            <a:fld id="{3125D4D1-B85D-40F4-885B-B56DD7EB32B2}" type="datetimeFigureOut">
+            <a:fld id="{50D27382-BFE0-4C8C-A3E6-5C89979167C3}" type="datetimeFigureOut">
               <a:rPr lang="zh-CN" altLang="en-US" smtClean="0"/>
               <a:t>2024/3/10</a:t>
             </a:fld>
@@ -2386,7 +2386,7 @@
           <p:cNvPr id="6" name="页脚占位符 5">
             <a:extLst>
               <a:ext uri="{FF2B5EF4-FFF2-40B4-BE49-F238E27FC236}">
-                <a16:creationId xmlns:a16="http://schemas.microsoft.com/office/drawing/2014/main" id="{73718977-CC9D-DE42-D3AD-0DF22333C7F6}"/>
+                <a16:creationId xmlns:a16="http://schemas.microsoft.com/office/drawing/2014/main" id="{1B21B994-9129-A48B-8446-5D6B44D6BB10}"/>
               </a:ext>
             </a:extLst>
           </p:cNvPr>
@@ -2411,7 +2411,7 @@
           <p:cNvPr id="7" name="灯片编号占位符 6">
             <a:extLst>
               <a:ext uri="{FF2B5EF4-FFF2-40B4-BE49-F238E27FC236}">
-                <a16:creationId xmlns:a16="http://schemas.microsoft.com/office/drawing/2014/main" id="{DED7337F-19E8-992D-6724-1215D135582D}"/>
+                <a16:creationId xmlns:a16="http://schemas.microsoft.com/office/drawing/2014/main" id="{D4CE38A6-70F7-D5BF-4D72-47B13C52A892}"/>
               </a:ext>
             </a:extLst>
           </p:cNvPr>
@@ -2427,7 +2427,7 @@
           <a:bodyPr/>
           <a:lstStyle/>
           <a:p>
-            <a:fld id="{AABD9F5F-20AA-41D4-B12A-9A9C36E68383}" type="slidenum">
+            <a:fld id="{02862FB3-8E63-4CE0-96D3-1037CD358FF7}" type="slidenum">
               <a:rPr lang="zh-CN" altLang="en-US" smtClean="0"/>
               <a:t>‹#›</a:t>
             </a:fld>
@@ -2438,7 +2438,7 @@
     </p:spTree>
     <p:extLst>
       <p:ext uri="{BB962C8B-B14F-4D97-AF65-F5344CB8AC3E}">
-        <p14:creationId xmlns:p14="http://schemas.microsoft.com/office/powerpoint/2010/main" val="1399132984"/>
+        <p14:creationId xmlns:p14="http://schemas.microsoft.com/office/powerpoint/2010/main" val="3100100979"/>
       </p:ext>
     </p:extLst>
   </p:cSld>
@@ -2470,7 +2470,7 @@
           <p:cNvPr id="2" name="标题 1">
             <a:extLst>
               <a:ext uri="{FF2B5EF4-FFF2-40B4-BE49-F238E27FC236}">
-                <a16:creationId xmlns:a16="http://schemas.microsoft.com/office/drawing/2014/main" id="{425EACEB-678C-9437-EEEB-17718E511A66}"/>
+                <a16:creationId xmlns:a16="http://schemas.microsoft.com/office/drawing/2014/main" id="{5F4181C0-653E-565B-038D-DC2643993E4E}"/>
               </a:ext>
             </a:extLst>
           </p:cNvPr>
@@ -2507,7 +2507,7 @@
           <p:cNvPr id="3" name="图片占位符 2">
             <a:extLst>
               <a:ext uri="{FF2B5EF4-FFF2-40B4-BE49-F238E27FC236}">
-                <a16:creationId xmlns:a16="http://schemas.microsoft.com/office/drawing/2014/main" id="{D5C5B627-31DA-E8A7-625B-E9D061195DA3}"/>
+                <a16:creationId xmlns:a16="http://schemas.microsoft.com/office/drawing/2014/main" id="{1AC4B745-2703-956E-A87F-63EED2CA840F}"/>
               </a:ext>
             </a:extLst>
           </p:cNvPr>
@@ -2574,7 +2574,7 @@
           <p:cNvPr id="4" name="文本占位符 3">
             <a:extLst>
               <a:ext uri="{FF2B5EF4-FFF2-40B4-BE49-F238E27FC236}">
-                <a16:creationId xmlns:a16="http://schemas.microsoft.com/office/drawing/2014/main" id="{A6C13D18-C00E-9E49-97D9-B7A346333A10}"/>
+                <a16:creationId xmlns:a16="http://schemas.microsoft.com/office/drawing/2014/main" id="{7B09E493-CC5C-D205-0A75-FDA9CB1E1005}"/>
               </a:ext>
             </a:extLst>
           </p:cNvPr>
@@ -2645,7 +2645,7 @@
           <p:cNvPr id="5" name="日期占位符 4">
             <a:extLst>
               <a:ext uri="{FF2B5EF4-FFF2-40B4-BE49-F238E27FC236}">
-                <a16:creationId xmlns:a16="http://schemas.microsoft.com/office/drawing/2014/main" id="{121E39FA-C46A-6848-FCFA-A05B8D0939D2}"/>
+                <a16:creationId xmlns:a16="http://schemas.microsoft.com/office/drawing/2014/main" id="{3C75033B-BB6F-75FC-1DAE-71E046D6398F}"/>
               </a:ext>
             </a:extLst>
           </p:cNvPr>
@@ -2661,7 +2661,7 @@
           <a:bodyPr/>
           <a:lstStyle/>
           <a:p>
-            <a:fld id="{3125D4D1-B85D-40F4-885B-B56DD7EB32B2}" type="datetimeFigureOut">
+            <a:fld id="{50D27382-BFE0-4C8C-A3E6-5C89979167C3}" type="datetimeFigureOut">
               <a:rPr lang="zh-CN" altLang="en-US" smtClean="0"/>
               <a:t>2024/3/10</a:t>
             </a:fld>
@@ -2674,7 +2674,7 @@
           <p:cNvPr id="6" name="页脚占位符 5">
             <a:extLst>
               <a:ext uri="{FF2B5EF4-FFF2-40B4-BE49-F238E27FC236}">
-                <a16:creationId xmlns:a16="http://schemas.microsoft.com/office/drawing/2014/main" id="{1698F649-ACEC-C785-8453-D6F01AD0F763}"/>
+                <a16:creationId xmlns:a16="http://schemas.microsoft.com/office/drawing/2014/main" id="{C73D2146-F074-5823-660A-1E404CEEA1E7}"/>
               </a:ext>
             </a:extLst>
           </p:cNvPr>
@@ -2699,7 +2699,7 @@
           <p:cNvPr id="7" name="灯片编号占位符 6">
             <a:extLst>
               <a:ext uri="{FF2B5EF4-FFF2-40B4-BE49-F238E27FC236}">
-                <a16:creationId xmlns:a16="http://schemas.microsoft.com/office/drawing/2014/main" id="{A8B602E8-CE61-E33B-D381-E39E41DDE4C0}"/>
+                <a16:creationId xmlns:a16="http://schemas.microsoft.com/office/drawing/2014/main" id="{EDCA1091-03E2-264C-B82E-D847D604305F}"/>
               </a:ext>
             </a:extLst>
           </p:cNvPr>
@@ -2715,7 +2715,7 @@
           <a:bodyPr/>
           <a:lstStyle/>
           <a:p>
-            <a:fld id="{AABD9F5F-20AA-41D4-B12A-9A9C36E68383}" type="slidenum">
+            <a:fld id="{02862FB3-8E63-4CE0-96D3-1037CD358FF7}" type="slidenum">
               <a:rPr lang="zh-CN" altLang="en-US" smtClean="0"/>
               <a:t>‹#›</a:t>
             </a:fld>
@@ -2726,7 +2726,7 @@
     </p:spTree>
     <p:extLst>
       <p:ext uri="{BB962C8B-B14F-4D97-AF65-F5344CB8AC3E}">
-        <p14:creationId xmlns:p14="http://schemas.microsoft.com/office/powerpoint/2010/main" val="1140910464"/>
+        <p14:creationId xmlns:p14="http://schemas.microsoft.com/office/powerpoint/2010/main" val="3326843824"/>
       </p:ext>
     </p:extLst>
   </p:cSld>
@@ -2763,7 +2763,7 @@
           <p:cNvPr id="2" name="标题占位符 1">
             <a:extLst>
               <a:ext uri="{FF2B5EF4-FFF2-40B4-BE49-F238E27FC236}">
-                <a16:creationId xmlns:a16="http://schemas.microsoft.com/office/drawing/2014/main" id="{2765FDD4-3C8C-F726-A17F-197DBAD13E9F}"/>
+                <a16:creationId xmlns:a16="http://schemas.microsoft.com/office/drawing/2014/main" id="{DAC2B60F-047D-B2F4-DB78-E7A4C49C4477}"/>
               </a:ext>
             </a:extLst>
           </p:cNvPr>
@@ -2801,7 +2801,7 @@
           <p:cNvPr id="3" name="文本占位符 2">
             <a:extLst>
               <a:ext uri="{FF2B5EF4-FFF2-40B4-BE49-F238E27FC236}">
-                <a16:creationId xmlns:a16="http://schemas.microsoft.com/office/drawing/2014/main" id="{438FC4C9-7654-AEA6-8AAF-BAE14DA8A74A}"/>
+                <a16:creationId xmlns:a16="http://schemas.microsoft.com/office/drawing/2014/main" id="{3D6BE36F-5A62-2625-9B3E-8F6091CAEF59}"/>
               </a:ext>
             </a:extLst>
           </p:cNvPr>
@@ -2868,7 +2868,7 @@
           <p:cNvPr id="4" name="日期占位符 3">
             <a:extLst>
               <a:ext uri="{FF2B5EF4-FFF2-40B4-BE49-F238E27FC236}">
-                <a16:creationId xmlns:a16="http://schemas.microsoft.com/office/drawing/2014/main" id="{89A153D5-F0BA-61A1-5820-AB69852D743B}"/>
+                <a16:creationId xmlns:a16="http://schemas.microsoft.com/office/drawing/2014/main" id="{678F6E70-43A3-8703-08F7-AEC421A0300B}"/>
               </a:ext>
             </a:extLst>
           </p:cNvPr>
@@ -2902,7 +2902,7 @@
             </a:lvl1pPr>
           </a:lstStyle>
           <a:p>
-            <a:fld id="{3125D4D1-B85D-40F4-885B-B56DD7EB32B2}" type="datetimeFigureOut">
+            <a:fld id="{50D27382-BFE0-4C8C-A3E6-5C89979167C3}" type="datetimeFigureOut">
               <a:rPr lang="zh-CN" altLang="en-US" smtClean="0"/>
               <a:t>2024/3/10</a:t>
             </a:fld>
@@ -2915,7 +2915,7 @@
           <p:cNvPr id="5" name="页脚占位符 4">
             <a:extLst>
               <a:ext uri="{FF2B5EF4-FFF2-40B4-BE49-F238E27FC236}">
-                <a16:creationId xmlns:a16="http://schemas.microsoft.com/office/drawing/2014/main" id="{A19B4E03-1403-9C33-1F5F-FD57833C4D48}"/>
+                <a16:creationId xmlns:a16="http://schemas.microsoft.com/office/drawing/2014/main" id="{6B5F32E2-2EE8-8539-17C5-D8A4E33E49E7}"/>
               </a:ext>
             </a:extLst>
           </p:cNvPr>
@@ -2958,7 +2958,7 @@
           <p:cNvPr id="6" name="灯片编号占位符 5">
             <a:extLst>
               <a:ext uri="{FF2B5EF4-FFF2-40B4-BE49-F238E27FC236}">
-                <a16:creationId xmlns:a16="http://schemas.microsoft.com/office/drawing/2014/main" id="{643463BF-75BD-03F0-743F-56F4FB7DBFDF}"/>
+                <a16:creationId xmlns:a16="http://schemas.microsoft.com/office/drawing/2014/main" id="{B07B2D55-0EC4-DB8C-5F46-58EA4C262BC1}"/>
               </a:ext>
             </a:extLst>
           </p:cNvPr>
@@ -2992,7 +2992,7 @@
             </a:lvl1pPr>
           </a:lstStyle>
           <a:p>
-            <a:fld id="{AABD9F5F-20AA-41D4-B12A-9A9C36E68383}" type="slidenum">
+            <a:fld id="{02862FB3-8E63-4CE0-96D3-1037CD358FF7}" type="slidenum">
               <a:rPr lang="zh-CN" altLang="en-US" smtClean="0"/>
               <a:t>‹#›</a:t>
             </a:fld>
@@ -3003,7 +3003,7 @@
     </p:spTree>
     <p:extLst>
       <p:ext uri="{BB962C8B-B14F-4D97-AF65-F5344CB8AC3E}">
-        <p14:creationId xmlns:p14="http://schemas.microsoft.com/office/powerpoint/2010/main" val="233321118"/>
+        <p14:creationId xmlns:p14="http://schemas.microsoft.com/office/powerpoint/2010/main" val="2243436830"/>
       </p:ext>
     </p:extLst>
   </p:cSld>
@@ -3323,7 +3323,7 @@
       </p:grpSpPr>
       <p:pic>
         <p:nvPicPr>
-          <p:cNvPr id="1079298" name="Picture 2" descr="1053"/>
+          <p:cNvPr id="1080322" name="Picture 2" descr="1054"/>
           <p:cNvPicPr>
             <a:picLocks noChangeAspect="1" noChangeArrowheads="1"/>
           </p:cNvPicPr>
@@ -3344,8 +3344,8 @@
         </p:blipFill>
         <p:spPr bwMode="auto">
           <a:xfrm>
-            <a:off x="1524000" y="0"/>
-            <a:ext cx="9144000" cy="6858000"/>
+            <a:off x="1524000" y="14288"/>
+            <a:ext cx="9124950" cy="6843712"/>
           </a:xfrm>
           <a:prstGeom prst="rect">
             <a:avLst/>
@@ -3375,11 +3375,158 @@
           </a:extLst>
         </p:spPr>
       </p:pic>
+      <p:pic>
+        <p:nvPicPr>
+          <p:cNvPr id="1081347" name="Picture 3" descr="1054-2"/>
+          <p:cNvPicPr>
+            <a:picLocks noChangeAspect="1" noChangeArrowheads="1"/>
+          </p:cNvPicPr>
+          <p:nvPr/>
+        </p:nvPicPr>
+        <p:blipFill>
+          <a:blip r:embed="rId3">
+            <a:extLst>
+              <a:ext uri="{28A0092B-C50C-407E-A947-70E740481C1C}">
+                <a14:useLocalDpi xmlns:a14="http://schemas.microsoft.com/office/drawing/2010/main" val="0"/>
+              </a:ext>
+            </a:extLst>
+          </a:blip>
+          <a:srcRect/>
+          <a:stretch>
+            <a:fillRect/>
+          </a:stretch>
+        </p:blipFill>
+        <p:spPr bwMode="auto">
+          <a:xfrm>
+            <a:off x="1524000" y="1"/>
+            <a:ext cx="9144000" cy="6886575"/>
+          </a:xfrm>
+          <a:prstGeom prst="rect">
+            <a:avLst/>
+          </a:prstGeom>
+          <a:noFill/>
+          <a:ln>
+            <a:noFill/>
+          </a:ln>
+          <a:effectLst/>
+          <a:extLst>
+            <a:ext uri="{909E8E84-426E-40DD-AFC4-6F175D3DCCD1}">
+              <a14:hiddenFill xmlns:a14="http://schemas.microsoft.com/office/drawing/2010/main">
+                <a:solidFill>
+                  <a:srgbClr val="FFFFFF"/>
+                </a:solidFill>
+              </a14:hiddenFill>
+            </a:ext>
+            <a:ext uri="{91240B29-F687-4F45-9708-019B960494DF}">
+              <a14:hiddenLine xmlns:a14="http://schemas.microsoft.com/office/drawing/2010/main" w="9525">
+                <a:solidFill>
+                  <a:srgbClr val="000000"/>
+                </a:solidFill>
+                <a:miter lim="800000"/>
+                <a:headEnd/>
+                <a:tailEnd/>
+              </a14:hiddenLine>
+            </a:ext>
+            <a:ext uri="{AF507438-7753-43E0-B8FC-AC1667EBCBE1}">
+              <a14:hiddenEffects xmlns:a14="http://schemas.microsoft.com/office/drawing/2010/main">
+                <a:effectLst>
+                  <a:outerShdw dist="35921" dir="2700000" algn="ctr" rotWithShape="0">
+                    <a:srgbClr val="808080"/>
+                  </a:outerShdw>
+                </a:effectLst>
+              </a14:hiddenEffects>
+            </a:ext>
+          </a:extLst>
+        </p:spPr>
+      </p:pic>
     </p:spTree>
   </p:cSld>
   <p:clrMapOvr>
     <a:masterClrMapping/>
   </p:clrMapOvr>
+  <p:timing>
+    <p:tnLst>
+      <p:par>
+        <p:cTn id="1" dur="indefinite" restart="never" nodeType="tmRoot">
+          <p:childTnLst>
+            <p:seq concurrent="1" nextAc="seek">
+              <p:cTn id="2" dur="indefinite" nodeType="mainSeq">
+                <p:childTnLst>
+                  <p:par>
+                    <p:cTn id="3" fill="hold" nodeType="clickPar">
+                      <p:stCondLst>
+                        <p:cond delay="indefinite"/>
+                      </p:stCondLst>
+                      <p:childTnLst>
+                        <p:par>
+                          <p:cTn id="4" fill="hold" nodeType="withGroup">
+                            <p:stCondLst>
+                              <p:cond delay="0"/>
+                            </p:stCondLst>
+                            <p:childTnLst>
+                              <p:par>
+                                <p:cTn id="5" presetID="10" presetClass="entr" presetSubtype="0" fill="hold" nodeType="clickEffect">
+                                  <p:stCondLst>
+                                    <p:cond delay="0"/>
+                                  </p:stCondLst>
+                                  <p:childTnLst>
+                                    <p:set>
+                                      <p:cBhvr>
+                                        <p:cTn id="6" dur="1" fill="hold">
+                                          <p:stCondLst>
+                                            <p:cond delay="0"/>
+                                          </p:stCondLst>
+                                        </p:cTn>
+                                        <p:tgtEl>
+                                          <p:spTgt spid="1081347"/>
+                                        </p:tgtEl>
+                                        <p:attrNameLst>
+                                          <p:attrName>style.visibility</p:attrName>
+                                        </p:attrNameLst>
+                                      </p:cBhvr>
+                                      <p:to>
+                                        <p:strVal val="visible"/>
+                                      </p:to>
+                                    </p:set>
+                                    <p:animEffect transition="in" filter="fade">
+                                      <p:cBhvr>
+                                        <p:cTn id="7" dur="500"/>
+                                        <p:tgtEl>
+                                          <p:spTgt spid="1081347"/>
+                                        </p:tgtEl>
+                                      </p:cBhvr>
+                                    </p:animEffect>
+                                  </p:childTnLst>
+                                </p:cTn>
+                              </p:par>
+                            </p:childTnLst>
+                          </p:cTn>
+                        </p:par>
+                      </p:childTnLst>
+                    </p:cTn>
+                  </p:par>
+                </p:childTnLst>
+              </p:cTn>
+              <p:prevCondLst>
+                <p:cond evt="onPrev" delay="0">
+                  <p:tgtEl>
+                    <p:sldTgt/>
+                  </p:tgtEl>
+                </p:cond>
+              </p:prevCondLst>
+              <p:nextCondLst>
+                <p:cond evt="onNext" delay="0">
+                  <p:tgtEl>
+                    <p:sldTgt/>
+                  </p:tgtEl>
+                </p:cond>
+              </p:nextCondLst>
+            </p:seq>
+          </p:childTnLst>
+        </p:cTn>
+      </p:par>
+    </p:tnLst>
+  </p:timing>
 </p:sld>
 </file>
 
